--- a/doc/advanced/slides/lesson_01_intro.pptx
+++ b/doc/advanced/slides/lesson_01_intro.pptx
@@ -238,7 +238,7 @@
           <a:p>
             <a:fld id="{9B5B52BA-3295-0343-9E28-A260A811DD10}" type="datetimeFigureOut">
               <a:rPr lang="en-US" smtClean="0"/>
-              <a:t>13-Aug-18</a:t>
+              <a:t>14-Aug-18</a:t>
             </a:fld>
             <a:endParaRPr lang="en-US"/>
           </a:p>
@@ -721,7 +721,7 @@
           <a:p>
             <a:fld id="{04F1D4A2-813C-F741-B481-C92B3A596030}" type="datetimeFigureOut">
               <a:rPr lang="en-US" smtClean="0"/>
-              <a:t>13-Aug-18</a:t>
+              <a:t>14-Aug-18</a:t>
             </a:fld>
             <a:endParaRPr lang="en-US"/>
           </a:p>
@@ -891,7 +891,7 @@
           <a:p>
             <a:fld id="{04F1D4A2-813C-F741-B481-C92B3A596030}" type="datetimeFigureOut">
               <a:rPr lang="en-US" smtClean="0"/>
-              <a:t>13-Aug-18</a:t>
+              <a:t>14-Aug-18</a:t>
             </a:fld>
             <a:endParaRPr lang="en-US"/>
           </a:p>
@@ -1071,7 +1071,7 @@
           <a:p>
             <a:fld id="{04F1D4A2-813C-F741-B481-C92B3A596030}" type="datetimeFigureOut">
               <a:rPr lang="en-US" smtClean="0"/>
-              <a:t>13-Aug-18</a:t>
+              <a:t>14-Aug-18</a:t>
             </a:fld>
             <a:endParaRPr lang="en-US"/>
           </a:p>
@@ -1410,7 +1410,7 @@
           <a:p>
             <a:fld id="{04F1D4A2-813C-F741-B481-C92B3A596030}" type="datetimeFigureOut">
               <a:rPr lang="en-US" smtClean="0"/>
-              <a:t>13-Aug-18</a:t>
+              <a:t>14-Aug-18</a:t>
             </a:fld>
             <a:endParaRPr lang="en-US"/>
           </a:p>
@@ -1656,7 +1656,7 @@
           <a:p>
             <a:fld id="{04F1D4A2-813C-F741-B481-C92B3A596030}" type="datetimeFigureOut">
               <a:rPr lang="en-US" smtClean="0"/>
-              <a:t>13-Aug-18</a:t>
+              <a:t>14-Aug-18</a:t>
             </a:fld>
             <a:endParaRPr lang="en-US"/>
           </a:p>
@@ -1888,7 +1888,7 @@
           <a:p>
             <a:fld id="{04F1D4A2-813C-F741-B481-C92B3A596030}" type="datetimeFigureOut">
               <a:rPr lang="en-US" smtClean="0"/>
-              <a:t>13-Aug-18</a:t>
+              <a:t>14-Aug-18</a:t>
             </a:fld>
             <a:endParaRPr lang="en-US"/>
           </a:p>
@@ -2255,7 +2255,7 @@
           <a:p>
             <a:fld id="{04F1D4A2-813C-F741-B481-C92B3A596030}" type="datetimeFigureOut">
               <a:rPr lang="en-US" smtClean="0"/>
-              <a:t>13-Aug-18</a:t>
+              <a:t>14-Aug-18</a:t>
             </a:fld>
             <a:endParaRPr lang="en-US"/>
           </a:p>
@@ -2373,7 +2373,7 @@
           <a:p>
             <a:fld id="{04F1D4A2-813C-F741-B481-C92B3A596030}" type="datetimeFigureOut">
               <a:rPr lang="en-US" smtClean="0"/>
-              <a:t>13-Aug-18</a:t>
+              <a:t>14-Aug-18</a:t>
             </a:fld>
             <a:endParaRPr lang="en-US"/>
           </a:p>
@@ -2468,7 +2468,7 @@
           <a:p>
             <a:fld id="{04F1D4A2-813C-F741-B481-C92B3A596030}" type="datetimeFigureOut">
               <a:rPr lang="en-US" smtClean="0"/>
-              <a:t>13-Aug-18</a:t>
+              <a:t>14-Aug-18</a:t>
             </a:fld>
             <a:endParaRPr lang="en-US"/>
           </a:p>
@@ -2745,7 +2745,7 @@
           <a:p>
             <a:fld id="{04F1D4A2-813C-F741-B481-C92B3A596030}" type="datetimeFigureOut">
               <a:rPr lang="en-US" smtClean="0"/>
-              <a:t>13-Aug-18</a:t>
+              <a:t>14-Aug-18</a:t>
             </a:fld>
             <a:endParaRPr lang="en-US"/>
           </a:p>
@@ -2998,7 +2998,7 @@
           <a:p>
             <a:fld id="{04F1D4A2-813C-F741-B481-C92B3A596030}" type="datetimeFigureOut">
               <a:rPr lang="en-US" smtClean="0"/>
-              <a:t>13-Aug-18</a:t>
+              <a:t>14-Aug-18</a:t>
             </a:fld>
             <a:endParaRPr lang="en-US"/>
           </a:p>
@@ -3211,7 +3211,7 @@
           <a:p>
             <a:fld id="{04F1D4A2-813C-F741-B481-C92B3A596030}" type="datetimeFigureOut">
               <a:rPr lang="en-US" smtClean="0"/>
-              <a:t>13-Aug-18</a:t>
+              <a:t>14-Aug-18</a:t>
             </a:fld>
             <a:endParaRPr lang="en-US"/>
           </a:p>
@@ -3650,11 +3650,7 @@
             </a:r>
             <a:r>
               <a:rPr lang="en-US" dirty="0" smtClean="0"/>
-              <a:t> </a:t>
-            </a:r>
-            <a:r>
-              <a:rPr lang="en-US" dirty="0" smtClean="0"/>
-              <a:t>2</a:t>
+              <a:t> 2</a:t>
             </a:r>
             <a:br>
               <a:rPr lang="en-US" dirty="0" smtClean="0"/>
@@ -3875,13 +3871,8 @@
           <a:p>
             <a:r>
               <a:rPr lang="en-US" sz="3600" dirty="0" smtClean="0"/>
-              <a:t>Compile to JVM </a:t>
-            </a:r>
-            <a:r>
-              <a:rPr lang="en-US" sz="3600" dirty="0" smtClean="0"/>
-              <a:t>bytecode (and JavaScript)</a:t>
-            </a:r>
-            <a:endParaRPr lang="en-US" sz="3600" dirty="0" smtClean="0"/>
+              <a:t>Compile to JVM bytecode (and JavaScript)</a:t>
+            </a:r>
           </a:p>
           <a:p>
             <a:r>
@@ -4315,11 +4306,7 @@
           <a:p>
             <a:r>
               <a:rPr lang="en-US" sz="3600" b="1" dirty="0" smtClean="0"/>
-              <a:t>No </a:t>
-            </a:r>
-            <a:r>
-              <a:rPr lang="en-US" sz="3600" b="1" dirty="0" smtClean="0"/>
-              <a:t>F*KCING Checked Exceptions…</a:t>
+              <a:t>No F*KCING Checked Exceptions…</a:t>
             </a:r>
           </a:p>
           <a:p>
@@ -4328,11 +4315,7 @@
           <a:p>
             <a:r>
               <a:rPr lang="en-US" sz="3600" dirty="0" smtClean="0"/>
-              <a:t>Removed </a:t>
-            </a:r>
-            <a:r>
-              <a:rPr lang="en-US" sz="3600" dirty="0" smtClean="0"/>
-              <a:t>a lot of </a:t>
+              <a:t>Removed a lot of </a:t>
             </a:r>
             <a:r>
               <a:rPr lang="en-US" sz="3600" i="1" dirty="0" smtClean="0"/>
@@ -5691,11 +5674,7 @@
           <a:p>
             <a:r>
               <a:rPr lang="en-US" sz="3600" dirty="0" smtClean="0"/>
-              <a:t>Specified after with </a:t>
-            </a:r>
-            <a:r>
-              <a:rPr lang="en-US" sz="3600" dirty="0" smtClean="0"/>
-              <a:t>“:”</a:t>
+              <a:t>Specified after with “:”</a:t>
             </a:r>
           </a:p>
           <a:p>
@@ -5717,7 +5696,6 @@
               <a:rPr lang="en-US" sz="2400" dirty="0" smtClean="0"/>
               <a:t> foo = “foo” </a:t>
             </a:r>
-            <a:endParaRPr lang="en-US" sz="2400" dirty="0" smtClean="0"/>
           </a:p>
           <a:p>
             <a:pPr lvl="1"/>
@@ -5838,11 +5816,7 @@
             </a:r>
             <a:r>
               <a:rPr lang="en-US" sz="3600" dirty="0" smtClean="0"/>
-              <a:t>” is for variables that can be </a:t>
-            </a:r>
-            <a:r>
-              <a:rPr lang="en-US" sz="3600" dirty="0" smtClean="0"/>
-              <a:t>modified</a:t>
+              <a:t>” is for variables that can be modified</a:t>
             </a:r>
           </a:p>
           <a:p>
@@ -6363,22 +6337,20 @@
           </a:xfrm>
         </p:spPr>
         <p:txBody>
-          <a:bodyPr/>
+          <a:bodyPr>
+            <a:normAutofit/>
+          </a:bodyPr>
           <a:lstStyle/>
           <a:p>
-            <a:endParaRPr lang="en-US" dirty="0" smtClean="0"/>
-          </a:p>
-          <a:p>
+            <a:pPr marL="0" indent="0">
+              <a:buNone/>
+            </a:pPr>
             <a:endParaRPr lang="en-US" dirty="0"/>
           </a:p>
           <a:p>
             <a:r>
               <a:rPr lang="en-US" dirty="0" smtClean="0"/>
-              <a:t>12 </a:t>
-            </a:r>
-            <a:r>
-              <a:rPr lang="en-US" dirty="0" smtClean="0"/>
-              <a:t>lessons, once a week</a:t>
+              <a:t>12 lessons, once a week</a:t>
             </a:r>
           </a:p>
           <a:p>
@@ -6400,6 +6372,23 @@
             <a:r>
               <a:rPr lang="en-US" dirty="0" smtClean="0"/>
               <a:t>rooms</a:t>
+            </a:r>
+          </a:p>
+          <a:p>
+            <a:endParaRPr lang="en-US" dirty="0"/>
+          </a:p>
+          <a:p>
+            <a:r>
+              <a:rPr lang="en-US" dirty="0" smtClean="0"/>
+              <a:t>During the course, do </a:t>
+            </a:r>
+            <a:r>
+              <a:rPr lang="en-US" b="1" dirty="0" smtClean="0"/>
+              <a:t>NOT</a:t>
+            </a:r>
+            <a:r>
+              <a:rPr lang="en-US" dirty="0" smtClean="0"/>
+              <a:t> send me private messages, but rather use the discussion forum of the course</a:t>
             </a:r>
             <a:endParaRPr lang="en-US" dirty="0" smtClean="0"/>
           </a:p>
@@ -11442,7 +11431,6 @@
               <a:rPr lang="en-US" sz="3600" dirty="0" smtClean="0"/>
               <a:t> is not as good for FP as Scala, but provides more abstractions/utilities compared to Java </a:t>
             </a:r>
-            <a:endParaRPr lang="en-US" sz="3600" dirty="0" smtClean="0"/>
           </a:p>
           <a:p>
             <a:endParaRPr lang="en-US" sz="3600" dirty="0" smtClean="0"/>
@@ -11601,24 +11589,16 @@
           <a:p>
             <a:r>
               <a:rPr lang="en-US" sz="3600" dirty="0" smtClean="0"/>
-              <a:t>Return </a:t>
-            </a:r>
+              <a:t>Return a value: caller itself, or result of the lambda expression</a:t>
+            </a:r>
+          </a:p>
+          <a:p>
+            <a:endParaRPr lang="en-US" sz="3600" dirty="0" smtClean="0"/>
+          </a:p>
+          <a:p>
             <a:r>
               <a:rPr lang="en-US" sz="3600" dirty="0" smtClean="0"/>
-              <a:t>a value: caller itself, or result of the lambda expression</a:t>
-            </a:r>
-          </a:p>
-          <a:p>
-            <a:endParaRPr lang="en-US" sz="3600" dirty="0" smtClean="0"/>
-          </a:p>
-          <a:p>
-            <a:r>
-              <a:rPr lang="en-US" sz="3600" dirty="0" smtClean="0"/>
-              <a:t>The </a:t>
-            </a:r>
-            <a:r>
-              <a:rPr lang="en-US" sz="3600" dirty="0" smtClean="0"/>
-              <a:t>meaning of “</a:t>
+              <a:t>The meaning of “</a:t>
             </a:r>
             <a:r>
               <a:rPr lang="en-US" sz="3600" i="1" dirty="0" smtClean="0"/>
@@ -11862,12 +11842,6 @@
               </a:rPr>
               <a:t>Return Caller     </a:t>
             </a:r>
-            <a:endParaRPr lang="en-US" sz="3200" dirty="0">
-              <a:solidFill>
-                <a:srgbClr val="000000"/>
-              </a:solidFill>
-              <a:sym typeface="Helvetica Light"/>
-            </a:endParaRPr>
           </a:p>
         </p:txBody>
       </p:sp>
@@ -11921,12 +11895,6 @@
               </a:rPr>
               <a:t>Caller as “this”</a:t>
             </a:r>
-            <a:endParaRPr lang="en-US" sz="3200" dirty="0">
-              <a:solidFill>
-                <a:srgbClr val="000000"/>
-              </a:solidFill>
-              <a:sym typeface="Helvetica Light"/>
-            </a:endParaRPr>
           </a:p>
         </p:txBody>
       </p:sp>
@@ -11980,12 +11948,6 @@
               </a:rPr>
               <a:t>Caller as “it”     </a:t>
             </a:r>
-            <a:endParaRPr lang="en-US" sz="3200" dirty="0">
-              <a:solidFill>
-                <a:srgbClr val="000000"/>
-              </a:solidFill>
-              <a:sym typeface="Helvetica Light"/>
-            </a:endParaRPr>
           </a:p>
         </p:txBody>
       </p:sp>
@@ -12039,12 +12001,6 @@
               </a:rPr>
               <a:t>Return Lambda Result     </a:t>
             </a:r>
-            <a:endParaRPr lang="en-US" sz="3200" dirty="0">
-              <a:solidFill>
-                <a:srgbClr val="000000"/>
-              </a:solidFill>
-              <a:sym typeface="Helvetica Light"/>
-            </a:endParaRPr>
           </a:p>
         </p:txBody>
       </p:sp>
@@ -13115,14 +13071,7 @@
                 <a:latin typeface="Courier New" panose="02070309020205020404" pitchFamily="49" charset="0"/>
                 <a:cs typeface="Courier New" panose="02070309020205020404" pitchFamily="49" charset="0"/>
               </a:rPr>
-              <a:t> </a:t>
-            </a:r>
-            <a:r>
-              <a:rPr lang="en-US" altLang="en-US" sz="2400" b="1" dirty="0">
-                <a:latin typeface="Courier New" panose="02070309020205020404" pitchFamily="49" charset="0"/>
-                <a:cs typeface="Courier New" panose="02070309020205020404" pitchFamily="49" charset="0"/>
-              </a:rPr>
-              <a:t>                                            </a:t>
+              <a:t>                                             </a:t>
             </a:r>
             <a:r>
               <a:rPr lang="en-US" altLang="en-US" sz="2400" dirty="0" err="1">
@@ -13287,14 +13236,7 @@
                 <a:latin typeface="Courier New" panose="02070309020205020404" pitchFamily="49" charset="0"/>
                 <a:cs typeface="Courier New" panose="02070309020205020404" pitchFamily="49" charset="0"/>
               </a:rPr>
-              <a:t> </a:t>
-            </a:r>
-            <a:r>
-              <a:rPr lang="en-US" altLang="en-US" sz="2400" dirty="0">
-                <a:latin typeface="Courier New" panose="02070309020205020404" pitchFamily="49" charset="0"/>
-                <a:cs typeface="Courier New" panose="02070309020205020404" pitchFamily="49" charset="0"/>
-              </a:rPr>
-              <a:t>           </a:t>
+              <a:t>            </a:t>
             </a:r>
             <a:r>
               <a:rPr lang="en-US" altLang="en-US" sz="2400" dirty="0" err="1">
@@ -13558,14 +13500,7 @@
                 <a:latin typeface="Courier New" panose="02070309020205020404" pitchFamily="49" charset="0"/>
                 <a:cs typeface="Courier New" panose="02070309020205020404" pitchFamily="49" charset="0"/>
               </a:rPr>
-              <a:t> </a:t>
-            </a:r>
-            <a:r>
-              <a:rPr lang="en-US" altLang="en-US" sz="2400" dirty="0">
-                <a:latin typeface="Courier New" panose="02070309020205020404" pitchFamily="49" charset="0"/>
-                <a:cs typeface="Courier New" panose="02070309020205020404" pitchFamily="49" charset="0"/>
-              </a:rPr>
-              <a:t>                    </a:t>
+              <a:t>                     </a:t>
             </a:r>
             <a:r>
               <a:rPr lang="en-US" altLang="en-US" sz="2400" dirty="0">
@@ -14952,11 +14887,7 @@
           <a:p>
             <a:r>
               <a:rPr lang="en-US" sz="3600" dirty="0" smtClean="0"/>
-              <a:t>But </a:t>
-            </a:r>
-            <a:r>
-              <a:rPr lang="en-US" sz="3600" dirty="0" smtClean="0"/>
-              <a:t>you do not need to learn all details to be able to be productive in </a:t>
+              <a:t>But you do not need to learn all details to be able to be productive in </a:t>
             </a:r>
             <a:r>
               <a:rPr lang="en-US" sz="3600" dirty="0" err="1" smtClean="0"/>
@@ -14970,15 +14901,7 @@
           <a:p>
             <a:r>
               <a:rPr lang="en-US" sz="3600" dirty="0" smtClean="0"/>
-              <a:t>Throughout </a:t>
-            </a:r>
-            <a:r>
-              <a:rPr lang="en-US" sz="3600" dirty="0" smtClean="0"/>
-              <a:t>the course, I might introduce some more concepts based on the code examples I </a:t>
-            </a:r>
-            <a:r>
-              <a:rPr lang="en-US" sz="3600" dirty="0" smtClean="0"/>
-              <a:t>wrote</a:t>
+              <a:t>Throughout the course, I might introduce some more concepts based on the code examples I wrote</a:t>
             </a:r>
             <a:endParaRPr lang="en-US" sz="3600" dirty="0"/>
           </a:p>
@@ -15309,11 +15232,7 @@
           <a:p>
             <a:r>
               <a:rPr lang="en-US" sz="3600" dirty="0" smtClean="0"/>
-              <a:t>And unfortunately it creates a lot, a lot of </a:t>
-            </a:r>
-            <a:r>
-              <a:rPr lang="en-US" sz="3600" dirty="0" smtClean="0"/>
-              <a:t>problems</a:t>
+              <a:t>And unfortunately it creates a lot, a lot of problems</a:t>
             </a:r>
           </a:p>
           <a:p>
@@ -15326,7 +15245,6 @@
               <a:rPr lang="en-US" sz="2769" dirty="0" smtClean="0"/>
               <a:t>, when dealing with libraries like Spring and Hibernate</a:t>
             </a:r>
-            <a:endParaRPr lang="en-US" sz="2769" dirty="0" smtClean="0"/>
           </a:p>
           <a:p>
             <a:r>
@@ -15571,11 +15489,7 @@
           <a:p>
             <a:r>
               <a:rPr lang="fi-FI" sz="3600" dirty="0" smtClean="0"/>
-              <a:t>Kotlin </a:t>
-            </a:r>
-            <a:r>
-              <a:rPr lang="fi-FI" sz="3600" dirty="0" smtClean="0"/>
-              <a:t>Koans: https</a:t>
+              <a:t>Kotlin Koans: https</a:t>
             </a:r>
             <a:r>
               <a:rPr lang="fi-FI" sz="3600" dirty="0"/>
@@ -15670,11 +15584,11 @@
   <p:clrMapOvr>
     <a:masterClrMapping/>
   </p:clrMapOvr>
-  <mc:AlternateContent xmlns:mc="http://schemas.openxmlformats.org/markup-compatibility/2006">
-    <mc:Choice xmlns:p14="http://schemas.microsoft.com/office/powerpoint/2010/main" Requires="p14">
+  <mc:AlternateContent xmlns:mc="http://schemas.openxmlformats.org/markup-compatibility/2006" xmlns:p14="http://schemas.microsoft.com/office/powerpoint/2010/main">
+    <mc:Choice Requires="p14">
       <p:transition spd="slow" p14:dur="2000"/>
     </mc:Choice>
-    <mc:Fallback>
+    <mc:Fallback xmlns="">
       <p:transition spd="slow"/>
     </mc:Fallback>
   </mc:AlternateContent>
@@ -15882,13 +15796,8 @@
             </a:r>
             <a:r>
               <a:rPr lang="en-US" dirty="0" smtClean="0"/>
-              <a:t> recommend IntelliJ </a:t>
-            </a:r>
-            <a:r>
-              <a:rPr lang="en-US" dirty="0" smtClean="0"/>
-              <a:t>IDEA Ultimate Edition)</a:t>
-            </a:r>
-            <a:endParaRPr lang="en-US" dirty="0" smtClean="0"/>
+              <a:t> recommend IntelliJ IDEA Ultimate Edition)</a:t>
+            </a:r>
           </a:p>
           <a:p>
             <a:r>
@@ -16289,7 +16198,6 @@
               <a:rPr lang="en-US" b="1" dirty="0" smtClean="0"/>
               <a:t>advanced/data-format</a:t>
             </a:r>
-            <a:endParaRPr lang="en-US" b="1" dirty="0" smtClean="0"/>
           </a:p>
           <a:p>
             <a:endParaRPr lang="en-US" dirty="0" smtClean="0"/>
@@ -16395,7 +16303,11 @@
             </a:r>
             <a:r>
               <a:rPr lang="en-US" b="1" dirty="0" smtClean="0"/>
-              <a:t>“advance”</a:t>
+              <a:t>“</a:t>
+            </a:r>
+            <a:r>
+              <a:rPr lang="en-US" b="1" dirty="0" smtClean="0"/>
+              <a:t>advanced”</a:t>
             </a:r>
             <a:r>
               <a:rPr lang="en-US" dirty="0" smtClean="0"/>
@@ -16660,24 +16572,16 @@
           <a:p>
             <a:r>
               <a:rPr lang="en-US" dirty="0" smtClean="0"/>
-              <a:t>You </a:t>
-            </a:r>
+              <a:t>You are supposed to attend, although no strict checks</a:t>
+            </a:r>
+          </a:p>
+          <a:p>
+            <a:endParaRPr lang="en-US" dirty="0" smtClean="0"/>
+          </a:p>
+          <a:p>
             <a:r>
               <a:rPr lang="en-US" dirty="0" smtClean="0"/>
-              <a:t>are supposed to attend, although no strict checks</a:t>
-            </a:r>
-          </a:p>
-          <a:p>
-            <a:endParaRPr lang="en-US" dirty="0" smtClean="0"/>
-          </a:p>
-          <a:p>
-            <a:r>
-              <a:rPr lang="en-US" dirty="0" smtClean="0"/>
-              <a:t>If </a:t>
-            </a:r>
-            <a:r>
-              <a:rPr lang="en-US" dirty="0" smtClean="0"/>
-              <a:t>you skip too many classes, it is </a:t>
+              <a:t>If you skip too many classes, it is </a:t>
             </a:r>
             <a:r>
               <a:rPr lang="en-US" b="1" dirty="0" smtClean="0"/>
